--- a/Module 6 -- group by/Module 6 group by.pptx
+++ b/Module 6 -- group by/Module 6 group by.pptx
@@ -219,7 +219,7 @@
           <a:p>
             <a:fld id="{E871FE31-3812-3944-9707-6ECC70AFADCA}" type="datetimeFigureOut">
               <a:rPr lang="en-US" smtClean="0"/>
-              <a:t>4/26/2017</a:t>
+              <a:t>10/11/2017</a:t>
             </a:fld>
             <a:endParaRPr lang="en-US"/>
           </a:p>
@@ -702,7 +702,7 @@
           <a:p>
             <a:fld id="{6B8468C1-7BBA-4EC2-ADBC-590623C71D5F}" type="datetime1">
               <a:rPr lang="en-US" smtClean="0"/>
-              <a:t>4/26/2017</a:t>
+              <a:t>10/11/2017</a:t>
             </a:fld>
             <a:endParaRPr lang="en-US"/>
           </a:p>
@@ -876,7 +876,7 @@
           <a:p>
             <a:fld id="{E0C3255E-28F5-4F4F-A7BE-24F0B5143067}" type="datetime1">
               <a:rPr lang="en-US" smtClean="0"/>
-              <a:t>4/26/2017</a:t>
+              <a:t>10/11/2017</a:t>
             </a:fld>
             <a:endParaRPr lang="en-US"/>
           </a:p>
@@ -1060,7 +1060,7 @@
           <a:p>
             <a:fld id="{E6C77F42-30B4-4495-9C45-5B140BEE7813}" type="datetime1">
               <a:rPr lang="en-US" smtClean="0"/>
-              <a:t>4/26/2017</a:t>
+              <a:t>10/11/2017</a:t>
             </a:fld>
             <a:endParaRPr lang="en-US"/>
           </a:p>
@@ -1234,7 +1234,7 @@
           <a:p>
             <a:fld id="{38502D07-A8BA-41D5-9575-C7D329C971D8}" type="datetime1">
               <a:rPr lang="en-US" smtClean="0"/>
-              <a:t>4/26/2017</a:t>
+              <a:t>10/11/2017</a:t>
             </a:fld>
             <a:endParaRPr lang="en-US"/>
           </a:p>
@@ -1484,7 +1484,7 @@
           <a:p>
             <a:fld id="{2EF4DEED-1B1C-432E-934D-2479F3612CE9}" type="datetime1">
               <a:rPr lang="en-US" smtClean="0"/>
-              <a:t>4/26/2017</a:t>
+              <a:t>10/11/2017</a:t>
             </a:fld>
             <a:endParaRPr lang="en-US"/>
           </a:p>
@@ -1720,7 +1720,7 @@
           <a:p>
             <a:fld id="{304F462A-39EE-4629-9A74-9C8D504D4CC9}" type="datetime1">
               <a:rPr lang="en-US" smtClean="0"/>
-              <a:t>4/26/2017</a:t>
+              <a:t>10/11/2017</a:t>
             </a:fld>
             <a:endParaRPr lang="en-US"/>
           </a:p>
@@ -2091,7 +2091,7 @@
           <a:p>
             <a:fld id="{FABAA886-7ADB-4D03-94D6-CD1B15F102E7}" type="datetime1">
               <a:rPr lang="en-US" smtClean="0"/>
-              <a:t>4/26/2017</a:t>
+              <a:t>10/11/2017</a:t>
             </a:fld>
             <a:endParaRPr lang="en-US"/>
           </a:p>
@@ -2213,7 +2213,7 @@
           <a:p>
             <a:fld id="{9EFD8197-86BF-440A-91A3-ABA87A67AFD3}" type="datetime1">
               <a:rPr lang="en-US" smtClean="0"/>
-              <a:t>4/26/2017</a:t>
+              <a:t>10/11/2017</a:t>
             </a:fld>
             <a:endParaRPr lang="en-US"/>
           </a:p>
@@ -2312,7 +2312,7 @@
           <a:p>
             <a:fld id="{57C25FE1-BFA9-445A-9330-84ED135B3A72}" type="datetime1">
               <a:rPr lang="en-US" smtClean="0"/>
-              <a:t>4/26/2017</a:t>
+              <a:t>10/11/2017</a:t>
             </a:fld>
             <a:endParaRPr lang="en-US"/>
           </a:p>
@@ -2593,7 +2593,7 @@
           <a:p>
             <a:fld id="{70E5EA83-E79E-4E6D-900B-1CF0BDC1CAE7}" type="datetime1">
               <a:rPr lang="en-US" smtClean="0"/>
-              <a:t>4/26/2017</a:t>
+              <a:t>10/11/2017</a:t>
             </a:fld>
             <a:endParaRPr lang="en-US"/>
           </a:p>
@@ -2850,7 +2850,7 @@
           <a:p>
             <a:fld id="{FF49DB7D-C0D9-4863-BE14-3C9D198745FA}" type="datetime1">
               <a:rPr lang="en-US" smtClean="0"/>
-              <a:t>4/26/2017</a:t>
+              <a:t>10/11/2017</a:t>
             </a:fld>
             <a:endParaRPr lang="en-US"/>
           </a:p>
@@ -3067,7 +3067,7 @@
           <a:p>
             <a:fld id="{A352FDCB-97F6-43A6-BBB0-2A7518E38483}" type="datetime1">
               <a:rPr lang="en-US" smtClean="0"/>
-              <a:t>4/26/2017</a:t>
+              <a:t>10/11/2017</a:t>
             </a:fld>
             <a:endParaRPr lang="en-US"/>
           </a:p>
@@ -4387,7 +4387,7 @@
       </p:grpSpPr>
       <p:pic>
         <p:nvPicPr>
-          <p:cNvPr id="4" name="Picture 3"/>
+          <p:cNvPr id="6" name="Picture 5"/>
           <p:cNvPicPr>
             <a:picLocks noChangeAspect="1"/>
           </p:cNvPicPr>
@@ -4401,8 +4401,8 @@
         </p:blipFill>
         <p:spPr>
           <a:xfrm>
-            <a:off x="2823883" y="4298510"/>
-            <a:ext cx="5222333" cy="2559490"/>
+            <a:off x="1425387" y="4363594"/>
+            <a:ext cx="7695304" cy="2542699"/>
           </a:xfrm>
           <a:prstGeom prst="rect">
             <a:avLst/>
@@ -4499,24 +4499,9 @@
           <a:p>
             <a:r>
               <a:rPr lang="en-US" dirty="0" smtClean="0"/>
-              <a:t>You need to pass a dictionary of {</a:t>
-            </a:r>
-            <a:r>
-              <a:rPr lang="en-US" dirty="0" err="1" smtClean="0"/>
-              <a:t>new_column_name</a:t>
-            </a:r>
-            <a:r>
-              <a:rPr lang="en-US" dirty="0" smtClean="0"/>
-              <a:t> : </a:t>
-            </a:r>
-            <a:r>
-              <a:rPr lang="en-US" dirty="0" err="1" smtClean="0"/>
-              <a:t>function_name</a:t>
-            </a:r>
-            <a:r>
-              <a:rPr lang="en-US" dirty="0" smtClean="0"/>
-              <a:t>}</a:t>
-            </a:r>
+              <a:t>You need to rename the columns “manually”</a:t>
+            </a:r>
+            <a:endParaRPr lang="en-US" dirty="0" smtClean="0"/>
           </a:p>
         </p:txBody>
       </p:sp>
@@ -4566,8 +4551,8 @@
         </p:nvSpPr>
         <p:spPr>
           <a:xfrm>
-            <a:off x="3842512" y="4429047"/>
-            <a:ext cx="3858450" cy="371553"/>
+            <a:off x="3842511" y="4429047"/>
+            <a:ext cx="5231563" cy="371553"/>
           </a:xfrm>
           <a:prstGeom prst="ellipse">
             <a:avLst/>
@@ -4615,9 +4600,9 @@
           <p:nvPr/>
         </p:nvCxnSpPr>
         <p:spPr>
-          <a:xfrm>
-            <a:off x="7135905" y="4746187"/>
-            <a:ext cx="1169895" cy="335401"/>
+          <a:xfrm flipH="1">
+            <a:off x="7750885" y="4746187"/>
+            <a:ext cx="557044" cy="729455"/>
           </a:xfrm>
           <a:prstGeom prst="line">
             <a:avLst/>
@@ -5574,6 +5559,30 @@
           <a:chExt cx="0" cy="0"/>
         </a:xfrm>
       </p:grpSpPr>
+      <p:pic>
+        <p:nvPicPr>
+          <p:cNvPr id="5" name="Picture 4"/>
+          <p:cNvPicPr>
+            <a:picLocks noChangeAspect="1"/>
+          </p:cNvPicPr>
+          <p:nvPr/>
+        </p:nvPicPr>
+        <p:blipFill>
+          <a:blip r:embed="rId2"/>
+          <a:stretch>
+            <a:fillRect/>
+          </a:stretch>
+        </p:blipFill>
+        <p:spPr>
+          <a:xfrm>
+            <a:off x="50800" y="2699260"/>
+            <a:ext cx="11537950" cy="1315785"/>
+          </a:xfrm>
+          <a:prstGeom prst="rect">
+            <a:avLst/>
+          </a:prstGeom>
+        </p:spPr>
+      </p:pic>
       <p:sp>
         <p:nvSpPr>
           <p:cNvPr id="2" name="Title 1"/>
@@ -5710,30 +5719,6 @@
           <p:nvPr/>
         </p:nvPicPr>
         <p:blipFill>
-          <a:blip r:embed="rId2"/>
-          <a:stretch>
-            <a:fillRect/>
-          </a:stretch>
-        </p:blipFill>
-        <p:spPr>
-          <a:xfrm>
-            <a:off x="7397750" y="3982410"/>
-            <a:ext cx="4794250" cy="2864946"/>
-          </a:xfrm>
-          <a:prstGeom prst="rect">
-            <a:avLst/>
-          </a:prstGeom>
-        </p:spPr>
-      </p:pic>
-      <p:pic>
-        <p:nvPicPr>
-          <p:cNvPr id="4" name="Picture 3"/>
-          <p:cNvPicPr>
-            <a:picLocks noChangeAspect="1"/>
-          </p:cNvPicPr>
-          <p:nvPr/>
-        </p:nvPicPr>
-        <p:blipFill>
           <a:blip r:embed="rId3"/>
           <a:stretch>
             <a:fillRect/>
@@ -5741,8 +5726,8 @@
         </p:blipFill>
         <p:spPr>
           <a:xfrm>
-            <a:off x="142875" y="2846100"/>
-            <a:ext cx="8295241" cy="1040946"/>
+            <a:off x="7397750" y="3982410"/>
+            <a:ext cx="4794250" cy="2864946"/>
           </a:xfrm>
           <a:prstGeom prst="rect">
             <a:avLst/>
@@ -6863,7 +6848,39 @@
             </a:r>
             <a:r>
               <a:rPr lang="en-US" dirty="0"/>
-              <a:t>example, for each program report the student who knows most languages (report more than one students in case of ties</a:t>
+              <a:t>example, for each program report </a:t>
+            </a:r>
+            <a:r>
+              <a:rPr lang="en-US" b="1" dirty="0" smtClean="0"/>
+              <a:t>all of the students </a:t>
+            </a:r>
+            <a:r>
+              <a:rPr lang="en-US" dirty="0"/>
+              <a:t>who </a:t>
+            </a:r>
+            <a:r>
+              <a:rPr lang="en-US" dirty="0" smtClean="0"/>
+              <a:t>know </a:t>
+            </a:r>
+            <a:r>
+              <a:rPr lang="en-US" dirty="0"/>
+              <a:t>most languages </a:t>
+            </a:r>
+            <a:r>
+              <a:rPr lang="en-US" dirty="0" smtClean="0"/>
+              <a:t>(i.e., report </a:t>
+            </a:r>
+            <a:r>
+              <a:rPr lang="en-US" dirty="0"/>
+              <a:t>more than one </a:t>
+            </a:r>
+            <a:r>
+              <a:rPr lang="en-US" dirty="0" smtClean="0"/>
+              <a:t>student </a:t>
+            </a:r>
+            <a:r>
+              <a:rPr lang="en-US" dirty="0"/>
+              <a:t>in case of ties</a:t>
             </a:r>
             <a:r>
               <a:rPr lang="en-US" dirty="0" smtClean="0"/>
@@ -7766,34 +7783,6 @@
           </a:p>
         </p:txBody>
       </p:sp>
-      <p:pic>
-        <p:nvPicPr>
-          <p:cNvPr id="23" name="Picture 22"/>
-          <p:cNvPicPr>
-            <a:picLocks noChangeAspect="1"/>
-          </p:cNvPicPr>
-          <p:nvPr/>
-        </p:nvPicPr>
-        <p:blipFill rotWithShape="1">
-          <a:blip r:embed="rId3"/>
-          <a:srcRect l="18188" t="80999" r="14951" b="3001"/>
-          <a:stretch/>
-        </p:blipFill>
-        <p:spPr>
-          <a:xfrm>
-            <a:off x="5850612" y="1633990"/>
-            <a:ext cx="5450306" cy="264694"/>
-          </a:xfrm>
-          <a:prstGeom prst="rect">
-            <a:avLst/>
-          </a:prstGeom>
-          <a:ln w="38100">
-            <a:solidFill>
-              <a:srgbClr val="C00000"/>
-            </a:solidFill>
-          </a:ln>
-        </p:spPr>
-      </p:pic>
       <p:sp>
         <p:nvSpPr>
           <p:cNvPr id="27" name="Right Arrow 26"/>
@@ -8001,7 +7990,7 @@
           <p:nvPr/>
         </p:nvPicPr>
         <p:blipFill>
-          <a:blip r:embed="rId4"/>
+          <a:blip r:embed="rId3"/>
           <a:stretch>
             <a:fillRect/>
           </a:stretch>
@@ -8129,6 +8118,35 @@
           </a:p>
         </p:txBody>
       </p:sp>
+      <p:pic>
+        <p:nvPicPr>
+          <p:cNvPr id="2" name="Picture 1"/>
+          <p:cNvPicPr>
+            <a:picLocks noChangeAspect="1"/>
+          </p:cNvPicPr>
+          <p:nvPr/>
+        </p:nvPicPr>
+        <p:blipFill>
+          <a:blip r:embed="rId4"/>
+          <a:stretch>
+            <a:fillRect/>
+          </a:stretch>
+        </p:blipFill>
+        <p:spPr>
+          <a:xfrm>
+            <a:off x="5668600" y="1565337"/>
+            <a:ext cx="6443421" cy="431705"/>
+          </a:xfrm>
+          <a:prstGeom prst="rect">
+            <a:avLst/>
+          </a:prstGeom>
+          <a:ln w="38100">
+            <a:solidFill>
+              <a:srgbClr val="C00000"/>
+            </a:solidFill>
+          </a:ln>
+        </p:spPr>
+      </p:pic>
     </p:spTree>
     <p:extLst>
       <p:ext uri="{BB962C8B-B14F-4D97-AF65-F5344CB8AC3E}">
@@ -8646,7 +8664,7 @@
                                           </p:stCondLst>
                                         </p:cTn>
                                         <p:tgtEl>
-                                          <p:spTgt spid="23"/>
+                                          <p:spTgt spid="2"/>
                                         </p:tgtEl>
                                         <p:attrNameLst>
                                           <p:attrName>style.visibility</p:attrName>
@@ -8660,7 +8678,7 @@
                                       <p:cBhvr>
                                         <p:cTn id="48" dur="500"/>
                                         <p:tgtEl>
-                                          <p:spTgt spid="23"/>
+                                          <p:spTgt spid="2"/>
                                         </p:tgtEl>
                                       </p:cBhvr>
                                     </p:animEffect>
